--- a/1- business understanding/slide.pptx
+++ b/1- business understanding/slide.pptx
@@ -112,6 +112,11 @@
       </a:defRPr>
     </a:lvl9pPr>
   </p:defaultTextStyle>
+  <p:extLst>
+    <p:ext uri="{EFAFB233-063F-42B5-8137-9DF3F51BA10A}">
+      <p15:sldGuideLst xmlns:p15="http://schemas.microsoft.com/office/powerpoint/2012/main"/>
+    </p:ext>
+  </p:extLst>
 </p:presentation>
 </file>
 
@@ -3540,7 +3545,13 @@
               <a:rPr lang="en-US" sz="2800" dirty="0" smtClean="0">
                 <a:effectLst/>
               </a:rPr>
-              <a:t>, as mentioned, our goal is to understand business</a:t>
+              <a:t>, as mentioned, our goal is to understand </a:t>
+            </a:r>
+            <a:r>
+              <a:rPr lang="en-US" sz="2800" dirty="0" smtClean="0">
+                <a:effectLst/>
+              </a:rPr>
+              <a:t>business.</a:t>
             </a:r>
             <a:endParaRPr lang="fa-IR" sz="2800" dirty="0" smtClean="0">
               <a:effectLst/>
@@ -3670,7 +3681,6 @@
               <a:rPr lang="en-US" sz="3200" dirty="0" smtClean="0"/>
               <a:t>Determine business objective</a:t>
             </a:r>
-            <a:endParaRPr lang="en-US" sz="3200" dirty="0" smtClean="0"/>
           </a:p>
         </p:txBody>
       </p:sp>
@@ -3700,7 +3710,6 @@
               <a:rPr lang="en-US" sz="2000" b="1" dirty="0" smtClean="0"/>
               <a:t>Requirements</a:t>
             </a:r>
-            <a:endParaRPr lang="en-US" sz="2000" b="1" dirty="0" smtClean="0"/>
           </a:p>
           <a:p>
             <a:pPr marL="800100" lvl="1" indent="-342900">
@@ -3719,6 +3728,11 @@
               <a:rPr lang="en-US" sz="2000" dirty="0" smtClean="0"/>
               <a:t>the more data is better. This data can be like Open, Close, Average, . . .   </a:t>
             </a:r>
+            <a:r>
+              <a:rPr lang="en-US" sz="2000" dirty="0" smtClean="0"/>
+              <a:t>Price</a:t>
+            </a:r>
+            <a:endParaRPr lang="en-US" sz="2000" dirty="0" smtClean="0"/>
           </a:p>
           <a:p>
             <a:pPr marL="800100" lvl="1" indent="-342900">
@@ -3746,11 +3760,7 @@
             </a:pPr>
             <a:r>
               <a:rPr lang="en-US" sz="2000" dirty="0" smtClean="0"/>
-              <a:t>Buy </a:t>
-            </a:r>
-            <a:r>
-              <a:rPr lang="en-US" sz="2000" dirty="0" smtClean="0"/>
-              <a:t>position</a:t>
+              <a:t>Buy position</a:t>
             </a:r>
           </a:p>
           <a:p>
@@ -3760,11 +3770,7 @@
             </a:pPr>
             <a:r>
               <a:rPr lang="en-US" sz="2000" dirty="0" smtClean="0"/>
-              <a:t>Sell </a:t>
-            </a:r>
-            <a:r>
-              <a:rPr lang="en-US" sz="2000" dirty="0" smtClean="0"/>
-              <a:t>position</a:t>
+              <a:t>Sell position</a:t>
             </a:r>
           </a:p>
           <a:p>
@@ -3927,7 +3933,6 @@
               <a:rPr lang="en-US" sz="3200" dirty="0" smtClean="0"/>
               <a:t>Assess Situation</a:t>
             </a:r>
-            <a:endParaRPr lang="en-US" sz="3200" dirty="0" smtClean="0"/>
           </a:p>
         </p:txBody>
       </p:sp>
@@ -3940,7 +3945,7 @@
         <p:spPr>
           <a:xfrm>
             <a:off x="757084" y="1160207"/>
-            <a:ext cx="7433187" cy="5016758"/>
+            <a:ext cx="7433187" cy="5324535"/>
           </a:xfrm>
           <a:prstGeom prst="rect">
             <a:avLst/>
@@ -3965,7 +3970,15 @@
             </a:pPr>
             <a:r>
               <a:rPr lang="en-US" sz="2000" dirty="0" smtClean="0"/>
-              <a:t>Our data-set covers the period from 2013 to 2021</a:t>
+              <a:t>Our data-set covers the </a:t>
+            </a:r>
+            <a:r>
+              <a:rPr lang="en-US" sz="2000" dirty="0" smtClean="0"/>
+              <a:t>time line </a:t>
+            </a:r>
+            <a:r>
+              <a:rPr lang="en-US" sz="2000" dirty="0" smtClean="0"/>
+              <a:t>from 2013 to 2021</a:t>
             </a:r>
           </a:p>
           <a:p>
@@ -4021,7 +4034,15 @@
             </a:r>
             <a:r>
               <a:rPr lang="en-US" sz="2000" dirty="0" smtClean="0"/>
-              <a:t>(Sec-Min-1Hour-4Hour-Week-Month) , but It can be analyzed separately from each of the time frames</a:t>
+              <a:t>(</a:t>
+            </a:r>
+            <a:r>
+              <a:rPr lang="en-US" sz="2000" dirty="0" smtClean="0"/>
+              <a:t>Sec-Min-1Hour-4Hour-Week-Month-year) </a:t>
+            </a:r>
+            <a:r>
+              <a:rPr lang="en-US" sz="2000" dirty="0" smtClean="0"/>
+              <a:t>, but It can be analyzed separately from each of the time frames</a:t>
             </a:r>
             <a:r>
               <a:rPr lang="fa-IR" sz="2000" dirty="0" smtClean="0"/>
@@ -4136,7 +4157,6 @@
               <a:rPr lang="en-US" sz="3200" dirty="0" smtClean="0"/>
               <a:t>Determine data mining goals</a:t>
             </a:r>
-            <a:endParaRPr lang="en-US" sz="3200" dirty="0" smtClean="0"/>
           </a:p>
         </p:txBody>
       </p:sp>
@@ -4148,7 +4168,7 @@
         </p:nvSpPr>
         <p:spPr>
           <a:xfrm>
-            <a:off x="757084" y="1160207"/>
+            <a:off x="757084" y="1150375"/>
             <a:ext cx="7433187" cy="3785652"/>
           </a:xfrm>
           <a:prstGeom prst="rect">

--- a/1- business understanding/slide.pptx
+++ b/1- business understanding/slide.pptx
@@ -202,7 +202,7 @@
           <a:p>
             <a:fld id="{48919397-5F08-47D4-8C55-A5AB3FD4FADB}" type="datetimeFigureOut">
               <a:rPr lang="en-US" smtClean="0"/>
-              <a:t>7/5/2021</a:t>
+              <a:t>7/14/2021</a:t>
             </a:fld>
             <a:endParaRPr lang="en-US"/>
           </a:p>
@@ -685,7 +685,7 @@
           <a:p>
             <a:fld id="{55A8D2CE-4C6E-4E51-B85A-F5C5D260663D}" type="datetimeFigureOut">
               <a:rPr lang="en-US" smtClean="0"/>
-              <a:t>7/5/2021</a:t>
+              <a:t>7/14/2021</a:t>
             </a:fld>
             <a:endParaRPr lang="en-US"/>
           </a:p>
@@ -855,7 +855,7 @@
           <a:p>
             <a:fld id="{55A8D2CE-4C6E-4E51-B85A-F5C5D260663D}" type="datetimeFigureOut">
               <a:rPr lang="en-US" smtClean="0"/>
-              <a:t>7/5/2021</a:t>
+              <a:t>7/14/2021</a:t>
             </a:fld>
             <a:endParaRPr lang="en-US"/>
           </a:p>
@@ -1035,7 +1035,7 @@
           <a:p>
             <a:fld id="{55A8D2CE-4C6E-4E51-B85A-F5C5D260663D}" type="datetimeFigureOut">
               <a:rPr lang="en-US" smtClean="0"/>
-              <a:t>7/5/2021</a:t>
+              <a:t>7/14/2021</a:t>
             </a:fld>
             <a:endParaRPr lang="en-US"/>
           </a:p>
@@ -1205,7 +1205,7 @@
           <a:p>
             <a:fld id="{55A8D2CE-4C6E-4E51-B85A-F5C5D260663D}" type="datetimeFigureOut">
               <a:rPr lang="en-US" smtClean="0"/>
-              <a:t>7/5/2021</a:t>
+              <a:t>7/14/2021</a:t>
             </a:fld>
             <a:endParaRPr lang="en-US"/>
           </a:p>
@@ -1451,7 +1451,7 @@
           <a:p>
             <a:fld id="{55A8D2CE-4C6E-4E51-B85A-F5C5D260663D}" type="datetimeFigureOut">
               <a:rPr lang="en-US" smtClean="0"/>
-              <a:t>7/5/2021</a:t>
+              <a:t>7/14/2021</a:t>
             </a:fld>
             <a:endParaRPr lang="en-US"/>
           </a:p>
@@ -1683,7 +1683,7 @@
           <a:p>
             <a:fld id="{55A8D2CE-4C6E-4E51-B85A-F5C5D260663D}" type="datetimeFigureOut">
               <a:rPr lang="en-US" smtClean="0"/>
-              <a:t>7/5/2021</a:t>
+              <a:t>7/14/2021</a:t>
             </a:fld>
             <a:endParaRPr lang="en-US"/>
           </a:p>
@@ -2050,7 +2050,7 @@
           <a:p>
             <a:fld id="{55A8D2CE-4C6E-4E51-B85A-F5C5D260663D}" type="datetimeFigureOut">
               <a:rPr lang="en-US" smtClean="0"/>
-              <a:t>7/5/2021</a:t>
+              <a:t>7/14/2021</a:t>
             </a:fld>
             <a:endParaRPr lang="en-US"/>
           </a:p>
@@ -2168,7 +2168,7 @@
           <a:p>
             <a:fld id="{55A8D2CE-4C6E-4E51-B85A-F5C5D260663D}" type="datetimeFigureOut">
               <a:rPr lang="en-US" smtClean="0"/>
-              <a:t>7/5/2021</a:t>
+              <a:t>7/14/2021</a:t>
             </a:fld>
             <a:endParaRPr lang="en-US"/>
           </a:p>
@@ -2263,7 +2263,7 @@
           <a:p>
             <a:fld id="{55A8D2CE-4C6E-4E51-B85A-F5C5D260663D}" type="datetimeFigureOut">
               <a:rPr lang="en-US" smtClean="0"/>
-              <a:t>7/5/2021</a:t>
+              <a:t>7/14/2021</a:t>
             </a:fld>
             <a:endParaRPr lang="en-US"/>
           </a:p>
@@ -2540,7 +2540,7 @@
           <a:p>
             <a:fld id="{55A8D2CE-4C6E-4E51-B85A-F5C5D260663D}" type="datetimeFigureOut">
               <a:rPr lang="en-US" smtClean="0"/>
-              <a:t>7/5/2021</a:t>
+              <a:t>7/14/2021</a:t>
             </a:fld>
             <a:endParaRPr lang="en-US"/>
           </a:p>
@@ -2793,7 +2793,7 @@
           <a:p>
             <a:fld id="{55A8D2CE-4C6E-4E51-B85A-F5C5D260663D}" type="datetimeFigureOut">
               <a:rPr lang="en-US" smtClean="0"/>
-              <a:t>7/5/2021</a:t>
+              <a:t>7/14/2021</a:t>
             </a:fld>
             <a:endParaRPr lang="en-US"/>
           </a:p>
@@ -3006,7 +3006,7 @@
           <a:p>
             <a:fld id="{55A8D2CE-4C6E-4E51-B85A-F5C5D260663D}" type="datetimeFigureOut">
               <a:rPr lang="en-US" smtClean="0"/>
-              <a:t>7/5/2021</a:t>
+              <a:t>7/14/2021</a:t>
             </a:fld>
             <a:endParaRPr lang="en-US"/>
           </a:p>
@@ -3545,13 +3545,7 @@
               <a:rPr lang="en-US" sz="2800" dirty="0" smtClean="0">
                 <a:effectLst/>
               </a:rPr>
-              <a:t>, as mentioned, our goal is to understand </a:t>
-            </a:r>
-            <a:r>
-              <a:rPr lang="en-US" sz="2800" dirty="0" smtClean="0">
-                <a:effectLst/>
-              </a:rPr>
-              <a:t>business.</a:t>
+              <a:t>, as mentioned, our goal is to understand business</a:t>
             </a:r>
             <a:endParaRPr lang="fa-IR" sz="2800" dirty="0" smtClean="0">
               <a:effectLst/>
@@ -3692,8 +3686,8 @@
         </p:nvSpPr>
         <p:spPr>
           <a:xfrm>
-            <a:off x="757084" y="1160207"/>
-            <a:ext cx="8957187" cy="5693866"/>
+            <a:off x="727588" y="722134"/>
+            <a:ext cx="10982632" cy="6309420"/>
           </a:xfrm>
           <a:prstGeom prst="rect">
             <a:avLst/>
@@ -3728,11 +3722,6 @@
               <a:rPr lang="en-US" sz="2000" dirty="0" smtClean="0"/>
               <a:t>the more data is better. This data can be like Open, Close, Average, . . .   </a:t>
             </a:r>
-            <a:r>
-              <a:rPr lang="en-US" sz="2000" dirty="0" smtClean="0"/>
-              <a:t>Price</a:t>
-            </a:r>
-            <a:endParaRPr lang="en-US" sz="2000" dirty="0" smtClean="0"/>
           </a:p>
           <a:p>
             <a:pPr marL="800100" lvl="1" indent="-342900">
@@ -3774,14 +3763,21 @@
             </a:r>
           </a:p>
           <a:p>
+            <a:r>
+              <a:rPr lang="en-US" sz="2000" b="1" dirty="0" smtClean="0"/>
+              <a:t>Important Factor</a:t>
+            </a:r>
+          </a:p>
+          <a:p>
             <a:pPr marL="800100" lvl="1" indent="-342900">
               <a:buFont typeface="Arial" panose="020B0604020202020204" pitchFamily="34" charset="0"/>
               <a:buChar char="•"/>
             </a:pPr>
             <a:r>
-              <a:rPr lang="en-US" sz="2000" dirty="0" smtClean="0"/>
-              <a:t>Loss limit</a:t>
-            </a:r>
+              <a:rPr lang="en-US" sz="2000" dirty="0"/>
+              <a:t>Support </a:t>
+            </a:r>
+            <a:endParaRPr lang="en-US" sz="2000" dirty="0" smtClean="0"/>
           </a:p>
           <a:p>
             <a:pPr marL="800100" lvl="1" indent="-342900">
@@ -3790,8 +3786,9 @@
             </a:pPr>
             <a:r>
               <a:rPr lang="en-US" sz="2000" dirty="0" smtClean="0"/>
-              <a:t>Profit limit</a:t>
-            </a:r>
+              <a:t>and Resistance</a:t>
+            </a:r>
+            <a:endParaRPr lang="en-US" sz="2000" dirty="0" smtClean="0"/>
           </a:p>
           <a:p>
             <a:pPr marL="800100" lvl="1" indent="-342900">
@@ -3799,14 +3796,13 @@
               <a:buChar char="•"/>
             </a:pPr>
             <a:r>
+              <a:rPr lang="en-US" sz="2000" dirty="0" smtClean="0"/>
+              <a:t>Loss </a:t>
+            </a:r>
+            <a:r>
               <a:rPr lang="en-US" sz="2000" dirty="0"/>
-              <a:t>E</a:t>
-            </a:r>
-            <a:r>
-              <a:rPr lang="en-US" sz="2000" dirty="0" smtClean="0"/>
-              <a:t>lliott waves</a:t>
-            </a:r>
-            <a:endParaRPr lang="fa-IR" sz="2000" dirty="0" smtClean="0"/>
+              <a:t>limit</a:t>
+            </a:r>
           </a:p>
           <a:p>
             <a:pPr marL="800100" lvl="1" indent="-342900">
@@ -3814,7 +3810,28 @@
               <a:buChar char="•"/>
             </a:pPr>
             <a:r>
-              <a:rPr lang="en-US" sz="2000" dirty="0" smtClean="0"/>
+              <a:rPr lang="en-US" sz="2000" dirty="0"/>
+              <a:t>Profit limit</a:t>
+            </a:r>
+          </a:p>
+          <a:p>
+            <a:pPr marL="800100" lvl="1" indent="-342900">
+              <a:buFont typeface="Arial" panose="020B0604020202020204" pitchFamily="34" charset="0"/>
+              <a:buChar char="•"/>
+            </a:pPr>
+            <a:r>
+              <a:rPr lang="en-US" sz="2000" dirty="0"/>
+              <a:t>Elliott waves</a:t>
+            </a:r>
+            <a:endParaRPr lang="fa-IR" sz="2000" dirty="0"/>
+          </a:p>
+          <a:p>
+            <a:pPr marL="800100" lvl="1" indent="-342900">
+              <a:buFont typeface="Arial" panose="020B0604020202020204" pitchFamily="34" charset="0"/>
+              <a:buChar char="•"/>
+            </a:pPr>
+            <a:r>
+              <a:rPr lang="en-US" sz="2000" dirty="0"/>
               <a:t>Channels</a:t>
             </a:r>
           </a:p>
@@ -3824,7 +3841,7 @@
               <a:buChar char="•"/>
             </a:pPr>
             <a:r>
-              <a:rPr lang="en-US" sz="2000" dirty="0" smtClean="0"/>
+              <a:rPr lang="en-US" sz="2000" dirty="0"/>
               <a:t>Horizontal</a:t>
             </a:r>
           </a:p>
@@ -3834,7 +3851,7 @@
               <a:buChar char="•"/>
             </a:pPr>
             <a:r>
-              <a:rPr lang="en-US" sz="2000" dirty="0" smtClean="0"/>
+              <a:rPr lang="en-US" sz="2000" dirty="0"/>
               <a:t>Descending</a:t>
             </a:r>
           </a:p>
@@ -3844,24 +3861,22 @@
               <a:buChar char="•"/>
             </a:pPr>
             <a:r>
-              <a:rPr lang="en-US" sz="2000" dirty="0" smtClean="0"/>
+              <a:rPr lang="en-US" sz="2000" dirty="0"/>
               <a:t>Ascending</a:t>
             </a:r>
           </a:p>
           <a:p>
-            <a:endParaRPr lang="en-US" sz="2000" dirty="0"/>
-          </a:p>
-          <a:p>
-            <a:r>
-              <a:rPr lang="en-US" sz="2000" b="1" dirty="0" smtClean="0"/>
-              <a:t>Important Factor</a:t>
-            </a:r>
-          </a:p>
-          <a:p>
-            <a:r>
-              <a:rPr lang="en-US" sz="2000" dirty="0" smtClean="0"/>
-              <a:t>.</a:t>
-            </a:r>
+            <a:pPr marL="800100" lvl="1" indent="-342900">
+              <a:buFont typeface="Arial" panose="020B0604020202020204" pitchFamily="34" charset="0"/>
+              <a:buChar char="•"/>
+            </a:pPr>
+            <a:r>
+              <a:rPr lang="en-US" sz="2000" dirty="0"/>
+              <a:t>Fid trend fib</a:t>
+            </a:r>
+          </a:p>
+          <a:p>
+            <a:endParaRPr lang="en-US" sz="2000" dirty="0" smtClean="0"/>
           </a:p>
         </p:txBody>
       </p:sp>
@@ -3945,7 +3960,7 @@
         <p:spPr>
           <a:xfrm>
             <a:off x="757084" y="1160207"/>
-            <a:ext cx="7433187" cy="5324535"/>
+            <a:ext cx="7433187" cy="5016758"/>
           </a:xfrm>
           <a:prstGeom prst="rect">
             <a:avLst/>
@@ -3970,15 +3985,7 @@
             </a:pPr>
             <a:r>
               <a:rPr lang="en-US" sz="2000" dirty="0" smtClean="0"/>
-              <a:t>Our data-set covers the </a:t>
-            </a:r>
-            <a:r>
-              <a:rPr lang="en-US" sz="2000" dirty="0" smtClean="0"/>
-              <a:t>time line </a:t>
-            </a:r>
-            <a:r>
-              <a:rPr lang="en-US" sz="2000" dirty="0" smtClean="0"/>
-              <a:t>from 2013 to 2021</a:t>
+              <a:t>Our data-set covers the period from 2013 to 2021</a:t>
             </a:r>
           </a:p>
           <a:p>
@@ -4034,15 +4041,7 @@
             </a:r>
             <a:r>
               <a:rPr lang="en-US" sz="2000" dirty="0" smtClean="0"/>
-              <a:t>(</a:t>
-            </a:r>
-            <a:r>
-              <a:rPr lang="en-US" sz="2000" dirty="0" smtClean="0"/>
-              <a:t>Sec-Min-1Hour-4Hour-Week-Month-year) </a:t>
-            </a:r>
-            <a:r>
-              <a:rPr lang="en-US" sz="2000" dirty="0" smtClean="0"/>
-              <a:t>, but It can be analyzed separately from each of the time frames</a:t>
+              <a:t>(Sec-Min-1Hour-4Hour-Week-Month) , but It can be analyzed separately from each of the time frames</a:t>
             </a:r>
             <a:r>
               <a:rPr lang="fa-IR" sz="2000" dirty="0" smtClean="0"/>
@@ -4168,7 +4167,7 @@
         </p:nvSpPr>
         <p:spPr>
           <a:xfrm>
-            <a:off x="757084" y="1150375"/>
+            <a:off x="757084" y="1160207"/>
             <a:ext cx="7433187" cy="3785652"/>
           </a:xfrm>
           <a:prstGeom prst="rect">

--- a/1- business understanding/slide.pptx
+++ b/1- business understanding/slide.pptx
@@ -3786,7 +3786,7 @@
             </a:pPr>
             <a:r>
               <a:rPr lang="en-US" sz="2000" dirty="0" smtClean="0"/>
-              <a:t>and Resistance</a:t>
+              <a:t>Resistance</a:t>
             </a:r>
             <a:endParaRPr lang="en-US" sz="2000" dirty="0" smtClean="0"/>
           </a:p>

--- a/1- business understanding/slide.pptx
+++ b/1- business understanding/slide.pptx
@@ -202,7 +202,7 @@
           <a:p>
             <a:fld id="{48919397-5F08-47D4-8C55-A5AB3FD4FADB}" type="datetimeFigureOut">
               <a:rPr lang="en-US" smtClean="0"/>
-              <a:t>7/14/2021</a:t>
+              <a:t>10/21/2021</a:t>
             </a:fld>
             <a:endParaRPr lang="en-US"/>
           </a:p>
@@ -685,7 +685,7 @@
           <a:p>
             <a:fld id="{55A8D2CE-4C6E-4E51-B85A-F5C5D260663D}" type="datetimeFigureOut">
               <a:rPr lang="en-US" smtClean="0"/>
-              <a:t>7/14/2021</a:t>
+              <a:t>10/21/2021</a:t>
             </a:fld>
             <a:endParaRPr lang="en-US"/>
           </a:p>
@@ -855,7 +855,7 @@
           <a:p>
             <a:fld id="{55A8D2CE-4C6E-4E51-B85A-F5C5D260663D}" type="datetimeFigureOut">
               <a:rPr lang="en-US" smtClean="0"/>
-              <a:t>7/14/2021</a:t>
+              <a:t>10/21/2021</a:t>
             </a:fld>
             <a:endParaRPr lang="en-US"/>
           </a:p>
@@ -1035,7 +1035,7 @@
           <a:p>
             <a:fld id="{55A8D2CE-4C6E-4E51-B85A-F5C5D260663D}" type="datetimeFigureOut">
               <a:rPr lang="en-US" smtClean="0"/>
-              <a:t>7/14/2021</a:t>
+              <a:t>10/21/2021</a:t>
             </a:fld>
             <a:endParaRPr lang="en-US"/>
           </a:p>
@@ -1205,7 +1205,7 @@
           <a:p>
             <a:fld id="{55A8D2CE-4C6E-4E51-B85A-F5C5D260663D}" type="datetimeFigureOut">
               <a:rPr lang="en-US" smtClean="0"/>
-              <a:t>7/14/2021</a:t>
+              <a:t>10/21/2021</a:t>
             </a:fld>
             <a:endParaRPr lang="en-US"/>
           </a:p>
@@ -1451,7 +1451,7 @@
           <a:p>
             <a:fld id="{55A8D2CE-4C6E-4E51-B85A-F5C5D260663D}" type="datetimeFigureOut">
               <a:rPr lang="en-US" smtClean="0"/>
-              <a:t>7/14/2021</a:t>
+              <a:t>10/21/2021</a:t>
             </a:fld>
             <a:endParaRPr lang="en-US"/>
           </a:p>
@@ -1683,7 +1683,7 @@
           <a:p>
             <a:fld id="{55A8D2CE-4C6E-4E51-B85A-F5C5D260663D}" type="datetimeFigureOut">
               <a:rPr lang="en-US" smtClean="0"/>
-              <a:t>7/14/2021</a:t>
+              <a:t>10/21/2021</a:t>
             </a:fld>
             <a:endParaRPr lang="en-US"/>
           </a:p>
@@ -2050,7 +2050,7 @@
           <a:p>
             <a:fld id="{55A8D2CE-4C6E-4E51-B85A-F5C5D260663D}" type="datetimeFigureOut">
               <a:rPr lang="en-US" smtClean="0"/>
-              <a:t>7/14/2021</a:t>
+              <a:t>10/21/2021</a:t>
             </a:fld>
             <a:endParaRPr lang="en-US"/>
           </a:p>
@@ -2168,7 +2168,7 @@
           <a:p>
             <a:fld id="{55A8D2CE-4C6E-4E51-B85A-F5C5D260663D}" type="datetimeFigureOut">
               <a:rPr lang="en-US" smtClean="0"/>
-              <a:t>7/14/2021</a:t>
+              <a:t>10/21/2021</a:t>
             </a:fld>
             <a:endParaRPr lang="en-US"/>
           </a:p>
@@ -2263,7 +2263,7 @@
           <a:p>
             <a:fld id="{55A8D2CE-4C6E-4E51-B85A-F5C5D260663D}" type="datetimeFigureOut">
               <a:rPr lang="en-US" smtClean="0"/>
-              <a:t>7/14/2021</a:t>
+              <a:t>10/21/2021</a:t>
             </a:fld>
             <a:endParaRPr lang="en-US"/>
           </a:p>
@@ -2540,7 +2540,7 @@
           <a:p>
             <a:fld id="{55A8D2CE-4C6E-4E51-B85A-F5C5D260663D}" type="datetimeFigureOut">
               <a:rPr lang="en-US" smtClean="0"/>
-              <a:t>7/14/2021</a:t>
+              <a:t>10/21/2021</a:t>
             </a:fld>
             <a:endParaRPr lang="en-US"/>
           </a:p>
@@ -2793,7 +2793,7 @@
           <a:p>
             <a:fld id="{55A8D2CE-4C6E-4E51-B85A-F5C5D260663D}" type="datetimeFigureOut">
               <a:rPr lang="en-US" smtClean="0"/>
-              <a:t>7/14/2021</a:t>
+              <a:t>10/21/2021</a:t>
             </a:fld>
             <a:endParaRPr lang="en-US"/>
           </a:p>
@@ -3006,7 +3006,7 @@
           <a:p>
             <a:fld id="{55A8D2CE-4C6E-4E51-B85A-F5C5D260663D}" type="datetimeFigureOut">
               <a:rPr lang="en-US" smtClean="0"/>
-              <a:t>7/14/2021</a:t>
+              <a:t>10/21/2021</a:t>
             </a:fld>
             <a:endParaRPr lang="en-US"/>
           </a:p>
@@ -3788,7 +3788,6 @@
               <a:rPr lang="en-US" sz="2000" dirty="0" smtClean="0"/>
               <a:t>Resistance</a:t>
             </a:r>
-            <a:endParaRPr lang="en-US" sz="2000" dirty="0" smtClean="0"/>
           </a:p>
           <a:p>
             <a:pPr marL="800100" lvl="1" indent="-342900">
@@ -3960,7 +3959,7 @@
         <p:spPr>
           <a:xfrm>
             <a:off x="757084" y="1160207"/>
-            <a:ext cx="7433187" cy="5016758"/>
+            <a:ext cx="7433187" cy="5940088"/>
           </a:xfrm>
           <a:prstGeom prst="rect">
             <a:avLst/>
@@ -4006,8 +4005,60 @@
             </a:r>
             <a:r>
               <a:rPr lang="en-US" sz="2000" dirty="0" smtClean="0"/>
-              <a:t>Date - High - Low - Open - Close - Volume - Marketcap</a:t>
-            </a:r>
+              <a:t>Date - High - Low - Open - Close - Volume </a:t>
+            </a:r>
+            <a:r>
+              <a:rPr lang="en-US" sz="2000" dirty="0" smtClean="0"/>
+              <a:t>– Marketcap</a:t>
+            </a:r>
+          </a:p>
+          <a:p>
+            <a:pPr lvl="1"/>
+            <a:r>
+              <a:rPr lang="en-US" sz="2000" dirty="0"/>
+              <a:t>	</a:t>
+            </a:r>
+            <a:endParaRPr lang="en-US" sz="2000" dirty="0" smtClean="0"/>
+          </a:p>
+          <a:p>
+            <a:pPr lvl="1"/>
+            <a:r>
+              <a:rPr lang="en-US" sz="2000" dirty="0"/>
+              <a:t>	</a:t>
+            </a:r>
+            <a:r>
+              <a:rPr lang="en-US" sz="2000" dirty="0"/>
+              <a:t>(</a:t>
+            </a:r>
+            <a:r>
+              <a:rPr lang="en-US" sz="2000" dirty="0" smtClean="0"/>
+              <a:t>Volume </a:t>
+            </a:r>
+            <a:r>
+              <a:rPr lang="en-US" sz="2000" dirty="0"/>
+              <a:t>:  the sum total of actual trades taking place)</a:t>
+            </a:r>
+            <a:endParaRPr lang="en-US" sz="2000" dirty="0" smtClean="0"/>
+          </a:p>
+          <a:p>
+            <a:pPr lvl="1"/>
+            <a:r>
+              <a:rPr lang="en-US" sz="2000" dirty="0"/>
+              <a:t>	</a:t>
+            </a:r>
+            <a:r>
+              <a:rPr lang="en-US" sz="2000" dirty="0" smtClean="0"/>
+              <a:t>(</a:t>
+            </a:r>
+            <a:r>
+              <a:rPr lang="en-US" dirty="0"/>
+              <a:t>Marketcap :  the total value of a cryptocurrency</a:t>
+            </a:r>
+            <a:r>
+              <a:rPr lang="en-US" sz="2000" dirty="0" smtClean="0"/>
+              <a:t>)</a:t>
+            </a:r>
+            <a:endParaRPr lang="en-US" sz="2000" dirty="0" smtClean="0"/>
           </a:p>
           <a:p>
             <a:endParaRPr lang="en-US" sz="2000" b="1" dirty="0" smtClean="0"/>
